--- a/Composite/resources/DesignPatterns.pptx
+++ b/Composite/resources/DesignPatterns.pptx
@@ -108,6 +108,11 @@
       </a:defRPr>
     </a:lvl9pPr>
   </p:defaultTextStyle>
+  <p:extLst>
+    <p:ext uri="{EFAFB233-063F-42B5-8137-9DF3F51BA10A}">
+      <p15:sldGuideLst xmlns:p15="http://schemas.microsoft.com/office/powerpoint/2012/main"/>
+    </p:ext>
+  </p:extLst>
 </p:presentation>
 </file>
 
@@ -242,7 +247,7 @@
           <a:p>
             <a:fld id="{C340699F-5C9D-441A-8A3F-6E92BB8F953D}" type="datetimeFigureOut">
               <a:rPr lang="pt-BR" smtClean="0"/>
-              <a:t>20/10/2019</a:t>
+              <a:t>23/10/2019</a:t>
             </a:fld>
             <a:endParaRPr lang="pt-BR"/>
           </a:p>
@@ -412,7 +417,7 @@
           <a:p>
             <a:fld id="{C340699F-5C9D-441A-8A3F-6E92BB8F953D}" type="datetimeFigureOut">
               <a:rPr lang="pt-BR" smtClean="0"/>
-              <a:t>20/10/2019</a:t>
+              <a:t>23/10/2019</a:t>
             </a:fld>
             <a:endParaRPr lang="pt-BR"/>
           </a:p>
@@ -592,7 +597,7 @@
           <a:p>
             <a:fld id="{C340699F-5C9D-441A-8A3F-6E92BB8F953D}" type="datetimeFigureOut">
               <a:rPr lang="pt-BR" smtClean="0"/>
-              <a:t>20/10/2019</a:t>
+              <a:t>23/10/2019</a:t>
             </a:fld>
             <a:endParaRPr lang="pt-BR"/>
           </a:p>
@@ -762,7 +767,7 @@
           <a:p>
             <a:fld id="{C340699F-5C9D-441A-8A3F-6E92BB8F953D}" type="datetimeFigureOut">
               <a:rPr lang="pt-BR" smtClean="0"/>
-              <a:t>20/10/2019</a:t>
+              <a:t>23/10/2019</a:t>
             </a:fld>
             <a:endParaRPr lang="pt-BR"/>
           </a:p>
@@ -1008,7 +1013,7 @@
           <a:p>
             <a:fld id="{C340699F-5C9D-441A-8A3F-6E92BB8F953D}" type="datetimeFigureOut">
               <a:rPr lang="pt-BR" smtClean="0"/>
-              <a:t>20/10/2019</a:t>
+              <a:t>23/10/2019</a:t>
             </a:fld>
             <a:endParaRPr lang="pt-BR"/>
           </a:p>
@@ -1240,7 +1245,7 @@
           <a:p>
             <a:fld id="{C340699F-5C9D-441A-8A3F-6E92BB8F953D}" type="datetimeFigureOut">
               <a:rPr lang="pt-BR" smtClean="0"/>
-              <a:t>20/10/2019</a:t>
+              <a:t>23/10/2019</a:t>
             </a:fld>
             <a:endParaRPr lang="pt-BR"/>
           </a:p>
@@ -1607,7 +1612,7 @@
           <a:p>
             <a:fld id="{C340699F-5C9D-441A-8A3F-6E92BB8F953D}" type="datetimeFigureOut">
               <a:rPr lang="pt-BR" smtClean="0"/>
-              <a:t>20/10/2019</a:t>
+              <a:t>23/10/2019</a:t>
             </a:fld>
             <a:endParaRPr lang="pt-BR"/>
           </a:p>
@@ -1725,7 +1730,7 @@
           <a:p>
             <a:fld id="{C340699F-5C9D-441A-8A3F-6E92BB8F953D}" type="datetimeFigureOut">
               <a:rPr lang="pt-BR" smtClean="0"/>
-              <a:t>20/10/2019</a:t>
+              <a:t>23/10/2019</a:t>
             </a:fld>
             <a:endParaRPr lang="pt-BR"/>
           </a:p>
@@ -1820,7 +1825,7 @@
           <a:p>
             <a:fld id="{C340699F-5C9D-441A-8A3F-6E92BB8F953D}" type="datetimeFigureOut">
               <a:rPr lang="pt-BR" smtClean="0"/>
-              <a:t>20/10/2019</a:t>
+              <a:t>23/10/2019</a:t>
             </a:fld>
             <a:endParaRPr lang="pt-BR"/>
           </a:p>
@@ -2097,7 +2102,7 @@
           <a:p>
             <a:fld id="{C340699F-5C9D-441A-8A3F-6E92BB8F953D}" type="datetimeFigureOut">
               <a:rPr lang="pt-BR" smtClean="0"/>
-              <a:t>20/10/2019</a:t>
+              <a:t>23/10/2019</a:t>
             </a:fld>
             <a:endParaRPr lang="pt-BR"/>
           </a:p>
@@ -2350,7 +2355,7 @@
           <a:p>
             <a:fld id="{C340699F-5C9D-441A-8A3F-6E92BB8F953D}" type="datetimeFigureOut">
               <a:rPr lang="pt-BR" smtClean="0"/>
-              <a:t>20/10/2019</a:t>
+              <a:t>23/10/2019</a:t>
             </a:fld>
             <a:endParaRPr lang="pt-BR"/>
           </a:p>
@@ -2563,7 +2568,7 @@
           <a:p>
             <a:fld id="{C340699F-5C9D-441A-8A3F-6E92BB8F953D}" type="datetimeFigureOut">
               <a:rPr lang="pt-BR" smtClean="0"/>
-              <a:t>20/10/2019</a:t>
+              <a:t>23/10/2019</a:t>
             </a:fld>
             <a:endParaRPr lang="pt-BR"/>
           </a:p>
@@ -3083,6 +3088,13 @@
   <p:clrMapOvr>
     <a:masterClrMapping/>
   </p:clrMapOvr>
+  <p:timing>
+    <p:tnLst>
+      <p:par>
+        <p:cTn id="1" dur="indefinite" restart="never" nodeType="tmRoot"/>
+      </p:par>
+    </p:tnLst>
+  </p:timing>
 </p:sld>
 </file>
 
@@ -3143,8 +3155,13 @@
           <a:p>
             <a:r>
               <a:rPr lang="pt-BR" dirty="0" smtClean="0"/>
-              <a:t>Utilizado em aplicações que exigem manipulação de coleções de “primitivos” ou “compostos”.</a:t>
-            </a:r>
+              <a:t>Utilizado em aplicações que exigem manipulação de </a:t>
+            </a:r>
+            <a:r>
+              <a:rPr lang="pt-BR" dirty="0" smtClean="0"/>
+              <a:t>objetos simples ou coleções.</a:t>
+            </a:r>
+            <a:endParaRPr lang="pt-BR" dirty="0" smtClean="0"/>
           </a:p>
           <a:p>
             <a:r>
@@ -3183,6 +3200,13 @@
   <p:clrMapOvr>
     <a:masterClrMapping/>
   </p:clrMapOvr>
+  <p:timing>
+    <p:tnLst>
+      <p:par>
+        <p:cTn id="1" dur="indefinite" restart="never" nodeType="tmRoot"/>
+      </p:par>
+    </p:tnLst>
+  </p:timing>
 </p:sld>
 </file>
 
@@ -3285,6 +3309,13 @@
   <p:clrMapOvr>
     <a:masterClrMapping/>
   </p:clrMapOvr>
+  <p:timing>
+    <p:tnLst>
+      <p:par>
+        <p:cTn id="1" dur="indefinite" restart="never" nodeType="tmRoot"/>
+      </p:par>
+    </p:tnLst>
+  </p:timing>
 </p:sld>
 </file>
 
@@ -4379,6 +4410,13 @@
   <p:clrMapOvr>
     <a:masterClrMapping/>
   </p:clrMapOvr>
+  <p:timing>
+    <p:tnLst>
+      <p:par>
+        <p:cTn id="1" dur="indefinite" restart="never" nodeType="tmRoot"/>
+      </p:par>
+    </p:tnLst>
+  </p:timing>
 </p:sld>
 </file>
 
@@ -4720,6 +4758,13 @@
   <p:clrMapOvr>
     <a:masterClrMapping/>
   </p:clrMapOvr>
+  <p:timing>
+    <p:tnLst>
+      <p:par>
+        <p:cTn id="1" dur="indefinite" restart="never" nodeType="tmRoot"/>
+      </p:par>
+    </p:tnLst>
+  </p:timing>
 </p:sld>
 </file>
 
